--- a/paper/ccp.pptx
+++ b/paper/ccp.pptx
@@ -221,7 +221,7 @@
           <a:p>
             <a:fld id="{166466FB-85C7-466E-9FA8-6EB6FAC78F45}" type="datetimeFigureOut">
               <a:rPr lang="zh-CN" altLang="en-US" smtClean="0"/>
-              <a:t>2023/4/22</a:t>
+              <a:t>2023/4/23</a:t>
             </a:fld>
             <a:endParaRPr lang="zh-CN" altLang="en-US"/>
           </a:p>
@@ -635,7 +635,7 @@
           <a:p>
             <a:fld id="{D3C52A02-3022-4C11-B2FA-1E0A3101B3EE}" type="datetimeFigureOut">
               <a:rPr lang="zh-CN" altLang="en-US" smtClean="0"/>
-              <a:t>2023/4/22</a:t>
+              <a:t>2023/4/23</a:t>
             </a:fld>
             <a:endParaRPr lang="zh-CN" altLang="en-US"/>
           </a:p>
@@ -833,7 +833,7 @@
           <a:p>
             <a:fld id="{D3C52A02-3022-4C11-B2FA-1E0A3101B3EE}" type="datetimeFigureOut">
               <a:rPr lang="zh-CN" altLang="en-US" smtClean="0"/>
-              <a:t>2023/4/22</a:t>
+              <a:t>2023/4/23</a:t>
             </a:fld>
             <a:endParaRPr lang="zh-CN" altLang="en-US"/>
           </a:p>
@@ -1041,7 +1041,7 @@
           <a:p>
             <a:fld id="{D3C52A02-3022-4C11-B2FA-1E0A3101B3EE}" type="datetimeFigureOut">
               <a:rPr lang="zh-CN" altLang="en-US" smtClean="0"/>
-              <a:t>2023/4/22</a:t>
+              <a:t>2023/4/23</a:t>
             </a:fld>
             <a:endParaRPr lang="zh-CN" altLang="en-US"/>
           </a:p>
@@ -1239,7 +1239,7 @@
           <a:p>
             <a:fld id="{D3C52A02-3022-4C11-B2FA-1E0A3101B3EE}" type="datetimeFigureOut">
               <a:rPr lang="zh-CN" altLang="en-US" smtClean="0"/>
-              <a:t>2023/4/22</a:t>
+              <a:t>2023/4/23</a:t>
             </a:fld>
             <a:endParaRPr lang="zh-CN" altLang="en-US"/>
           </a:p>
@@ -1514,7 +1514,7 @@
           <a:p>
             <a:fld id="{D3C52A02-3022-4C11-B2FA-1E0A3101B3EE}" type="datetimeFigureOut">
               <a:rPr lang="zh-CN" altLang="en-US" smtClean="0"/>
-              <a:t>2023/4/22</a:t>
+              <a:t>2023/4/23</a:t>
             </a:fld>
             <a:endParaRPr lang="zh-CN" altLang="en-US"/>
           </a:p>
@@ -1779,7 +1779,7 @@
           <a:p>
             <a:fld id="{D3C52A02-3022-4C11-B2FA-1E0A3101B3EE}" type="datetimeFigureOut">
               <a:rPr lang="zh-CN" altLang="en-US" smtClean="0"/>
-              <a:t>2023/4/22</a:t>
+              <a:t>2023/4/23</a:t>
             </a:fld>
             <a:endParaRPr lang="zh-CN" altLang="en-US"/>
           </a:p>
@@ -2191,7 +2191,7 @@
           <a:p>
             <a:fld id="{D3C52A02-3022-4C11-B2FA-1E0A3101B3EE}" type="datetimeFigureOut">
               <a:rPr lang="zh-CN" altLang="en-US" smtClean="0"/>
-              <a:t>2023/4/22</a:t>
+              <a:t>2023/4/23</a:t>
             </a:fld>
             <a:endParaRPr lang="zh-CN" altLang="en-US"/>
           </a:p>
@@ -2332,7 +2332,7 @@
           <a:p>
             <a:fld id="{D3C52A02-3022-4C11-B2FA-1E0A3101B3EE}" type="datetimeFigureOut">
               <a:rPr lang="zh-CN" altLang="en-US" smtClean="0"/>
-              <a:t>2023/4/22</a:t>
+              <a:t>2023/4/23</a:t>
             </a:fld>
             <a:endParaRPr lang="zh-CN" altLang="en-US"/>
           </a:p>
@@ -2445,7 +2445,7 @@
           <a:p>
             <a:fld id="{D3C52A02-3022-4C11-B2FA-1E0A3101B3EE}" type="datetimeFigureOut">
               <a:rPr lang="zh-CN" altLang="en-US" smtClean="0"/>
-              <a:t>2023/4/22</a:t>
+              <a:t>2023/4/23</a:t>
             </a:fld>
             <a:endParaRPr lang="zh-CN" altLang="en-US"/>
           </a:p>
@@ -2756,7 +2756,7 @@
           <a:p>
             <a:fld id="{D3C52A02-3022-4C11-B2FA-1E0A3101B3EE}" type="datetimeFigureOut">
               <a:rPr lang="zh-CN" altLang="en-US" smtClean="0"/>
-              <a:t>2023/4/22</a:t>
+              <a:t>2023/4/23</a:t>
             </a:fld>
             <a:endParaRPr lang="zh-CN" altLang="en-US"/>
           </a:p>
@@ -3044,7 +3044,7 @@
           <a:p>
             <a:fld id="{D3C52A02-3022-4C11-B2FA-1E0A3101B3EE}" type="datetimeFigureOut">
               <a:rPr lang="zh-CN" altLang="en-US" smtClean="0"/>
-              <a:t>2023/4/22</a:t>
+              <a:t>2023/4/23</a:t>
             </a:fld>
             <a:endParaRPr lang="zh-CN" altLang="en-US"/>
           </a:p>
@@ -3285,7 +3285,7 @@
           <a:p>
             <a:fld id="{D3C52A02-3022-4C11-B2FA-1E0A3101B3EE}" type="datetimeFigureOut">
               <a:rPr lang="zh-CN" altLang="en-US" smtClean="0"/>
-              <a:t>2023/4/22</a:t>
+              <a:t>2023/4/23</a:t>
             </a:fld>
             <a:endParaRPr lang="zh-CN" altLang="en-US"/>
           </a:p>
@@ -6449,7 +6449,7 @@
                 <a:latin typeface="微软雅黑" panose="020B0503020204020204" pitchFamily="34" charset="-122"/>
                 <a:ea typeface="微软雅黑" panose="020B0503020204020204" pitchFamily="34" charset="-122"/>
               </a:rPr>
-              <a:t>我们还在</a:t>
+              <a:t>在</a:t>
             </a:r>
             <a:r>
               <a:rPr lang="en-US" altLang="zh-CN" b="0" i="0" dirty="0">
@@ -6491,8 +6491,8 @@
         </p:nvSpPr>
         <p:spPr>
           <a:xfrm>
-            <a:off x="3021759" y="2464641"/>
-            <a:ext cx="6279687" cy="646331"/>
+            <a:off x="667633" y="2355456"/>
+            <a:ext cx="9669326" cy="923330"/>
           </a:xfrm>
           <a:prstGeom prst="rect">
             <a:avLst/>
@@ -6514,6 +6514,19 @@
             </a:r>
           </a:p>
           <a:p>
+            <a:r>
+              <a:rPr lang="en-US" altLang="zh-CN" dirty="0">
+                <a:solidFill>
+                  <a:srgbClr val="000000"/>
+                </a:solidFill>
+                <a:latin typeface="微软雅黑" panose="020B0503020204020204" pitchFamily="34" charset="-122"/>
+                <a:ea typeface="微软雅黑" panose="020B0503020204020204" pitchFamily="34" charset="-122"/>
+              </a:rPr>
+              <a:t>https://github.com/park-project/park/tree/master/park/envs/congestion_control</a:t>
+            </a:r>
+            <a:br>
+              <a:rPr lang="en-US" altLang="zh-CN" dirty="0"/>
+            </a:br>
             <a:endParaRPr lang="zh-CN" altLang="en-US" dirty="0"/>
           </a:p>
         </p:txBody>
@@ -6540,8 +6553,8 @@
         </p:blipFill>
         <p:spPr>
           <a:xfrm>
-            <a:off x="1967765" y="3110972"/>
-            <a:ext cx="6740230" cy="3311539"/>
+            <a:off x="1774899" y="3035384"/>
+            <a:ext cx="7170352" cy="3522862"/>
           </a:xfrm>
           <a:prstGeom prst="rect">
             <a:avLst/>
@@ -11053,7 +11066,7 @@
                 <a:latin typeface="微软雅黑" panose="020B0503020204020204" pitchFamily="34" charset="-122"/>
                 <a:ea typeface="微软雅黑" panose="020B0503020204020204" pitchFamily="34" charset="-122"/>
               </a:rPr>
-              <a:t>由于我们的</a:t>
+              <a:t>由于</a:t>
             </a:r>
             <a:r>
               <a:rPr lang="en-US" altLang="zh-CN" b="0" i="0" dirty="0">

--- a/paper/ccp.pptx
+++ b/paper/ccp.pptx
@@ -221,7 +221,7 @@
           <a:p>
             <a:fld id="{166466FB-85C7-466E-9FA8-6EB6FAC78F45}" type="datetimeFigureOut">
               <a:rPr lang="zh-CN" altLang="en-US" smtClean="0"/>
-              <a:t>2023/4/23</a:t>
+              <a:t>2023/4/24</a:t>
             </a:fld>
             <a:endParaRPr lang="zh-CN" altLang="en-US"/>
           </a:p>
@@ -635,7 +635,7 @@
           <a:p>
             <a:fld id="{D3C52A02-3022-4C11-B2FA-1E0A3101B3EE}" type="datetimeFigureOut">
               <a:rPr lang="zh-CN" altLang="en-US" smtClean="0"/>
-              <a:t>2023/4/23</a:t>
+              <a:t>2023/4/24</a:t>
             </a:fld>
             <a:endParaRPr lang="zh-CN" altLang="en-US"/>
           </a:p>
@@ -833,7 +833,7 @@
           <a:p>
             <a:fld id="{D3C52A02-3022-4C11-B2FA-1E0A3101B3EE}" type="datetimeFigureOut">
               <a:rPr lang="zh-CN" altLang="en-US" smtClean="0"/>
-              <a:t>2023/4/23</a:t>
+              <a:t>2023/4/24</a:t>
             </a:fld>
             <a:endParaRPr lang="zh-CN" altLang="en-US"/>
           </a:p>
@@ -1041,7 +1041,7 @@
           <a:p>
             <a:fld id="{D3C52A02-3022-4C11-B2FA-1E0A3101B3EE}" type="datetimeFigureOut">
               <a:rPr lang="zh-CN" altLang="en-US" smtClean="0"/>
-              <a:t>2023/4/23</a:t>
+              <a:t>2023/4/24</a:t>
             </a:fld>
             <a:endParaRPr lang="zh-CN" altLang="en-US"/>
           </a:p>
@@ -1239,7 +1239,7 @@
           <a:p>
             <a:fld id="{D3C52A02-3022-4C11-B2FA-1E0A3101B3EE}" type="datetimeFigureOut">
               <a:rPr lang="zh-CN" altLang="en-US" smtClean="0"/>
-              <a:t>2023/4/23</a:t>
+              <a:t>2023/4/24</a:t>
             </a:fld>
             <a:endParaRPr lang="zh-CN" altLang="en-US"/>
           </a:p>
@@ -1514,7 +1514,7 @@
           <a:p>
             <a:fld id="{D3C52A02-3022-4C11-B2FA-1E0A3101B3EE}" type="datetimeFigureOut">
               <a:rPr lang="zh-CN" altLang="en-US" smtClean="0"/>
-              <a:t>2023/4/23</a:t>
+              <a:t>2023/4/24</a:t>
             </a:fld>
             <a:endParaRPr lang="zh-CN" altLang="en-US"/>
           </a:p>
@@ -1779,7 +1779,7 @@
           <a:p>
             <a:fld id="{D3C52A02-3022-4C11-B2FA-1E0A3101B3EE}" type="datetimeFigureOut">
               <a:rPr lang="zh-CN" altLang="en-US" smtClean="0"/>
-              <a:t>2023/4/23</a:t>
+              <a:t>2023/4/24</a:t>
             </a:fld>
             <a:endParaRPr lang="zh-CN" altLang="en-US"/>
           </a:p>
@@ -2191,7 +2191,7 @@
           <a:p>
             <a:fld id="{D3C52A02-3022-4C11-B2FA-1E0A3101B3EE}" type="datetimeFigureOut">
               <a:rPr lang="zh-CN" altLang="en-US" smtClean="0"/>
-              <a:t>2023/4/23</a:t>
+              <a:t>2023/4/24</a:t>
             </a:fld>
             <a:endParaRPr lang="zh-CN" altLang="en-US"/>
           </a:p>
@@ -2332,7 +2332,7 @@
           <a:p>
             <a:fld id="{D3C52A02-3022-4C11-B2FA-1E0A3101B3EE}" type="datetimeFigureOut">
               <a:rPr lang="zh-CN" altLang="en-US" smtClean="0"/>
-              <a:t>2023/4/23</a:t>
+              <a:t>2023/4/24</a:t>
             </a:fld>
             <a:endParaRPr lang="zh-CN" altLang="en-US"/>
           </a:p>
@@ -2445,7 +2445,7 @@
           <a:p>
             <a:fld id="{D3C52A02-3022-4C11-B2FA-1E0A3101B3EE}" type="datetimeFigureOut">
               <a:rPr lang="zh-CN" altLang="en-US" smtClean="0"/>
-              <a:t>2023/4/23</a:t>
+              <a:t>2023/4/24</a:t>
             </a:fld>
             <a:endParaRPr lang="zh-CN" altLang="en-US"/>
           </a:p>
@@ -2756,7 +2756,7 @@
           <a:p>
             <a:fld id="{D3C52A02-3022-4C11-B2FA-1E0A3101B3EE}" type="datetimeFigureOut">
               <a:rPr lang="zh-CN" altLang="en-US" smtClean="0"/>
-              <a:t>2023/4/23</a:t>
+              <a:t>2023/4/24</a:t>
             </a:fld>
             <a:endParaRPr lang="zh-CN" altLang="en-US"/>
           </a:p>
@@ -3044,7 +3044,7 @@
           <a:p>
             <a:fld id="{D3C52A02-3022-4C11-B2FA-1E0A3101B3EE}" type="datetimeFigureOut">
               <a:rPr lang="zh-CN" altLang="en-US" smtClean="0"/>
-              <a:t>2023/4/23</a:t>
+              <a:t>2023/4/24</a:t>
             </a:fld>
             <a:endParaRPr lang="zh-CN" altLang="en-US"/>
           </a:p>
@@ -3285,7 +3285,7 @@
           <a:p>
             <a:fld id="{D3C52A02-3022-4C11-B2FA-1E0A3101B3EE}" type="datetimeFigureOut">
               <a:rPr lang="zh-CN" altLang="en-US" smtClean="0"/>
-              <a:t>2023/4/23</a:t>
+              <a:t>2023/4/24</a:t>
             </a:fld>
             <a:endParaRPr lang="zh-CN" altLang="en-US"/>
           </a:p>
@@ -4786,7 +4786,7 @@
         </p:blipFill>
         <p:spPr>
           <a:xfrm>
-            <a:off x="676690" y="2094915"/>
+            <a:off x="888637" y="2094915"/>
             <a:ext cx="8327925" cy="2668170"/>
           </a:xfrm>
           <a:prstGeom prst="rect">
@@ -5038,7 +5038,7 @@
         </p:blipFill>
         <p:spPr>
           <a:xfrm>
-            <a:off x="764522" y="3429000"/>
+            <a:off x="691855" y="2799214"/>
             <a:ext cx="9380996" cy="1737524"/>
           </a:xfrm>
           <a:prstGeom prst="rect">
@@ -5201,7 +5201,7 @@
                 <a:latin typeface="微软雅黑" panose="020B0503020204020204" pitchFamily="34" charset="-122"/>
                 <a:ea typeface="微软雅黑" panose="020B0503020204020204" pitchFamily="34" charset="-122"/>
               </a:rPr>
-              <a:t>(0.75×</a:t>
+              <a:t>0.75</a:t>
             </a:r>
             <a:endParaRPr lang="zh-CN" altLang="en-US" dirty="0"/>
           </a:p>
@@ -6029,7 +6029,7 @@
         </p:blipFill>
         <p:spPr>
           <a:xfrm>
-            <a:off x="868226" y="5447380"/>
+            <a:off x="904560" y="5059233"/>
             <a:ext cx="4157693" cy="776293"/>
           </a:xfrm>
           <a:prstGeom prst="rect">
@@ -6095,7 +6095,7 @@
         </p:blipFill>
         <p:spPr>
           <a:xfrm>
-            <a:off x="6304083" y="4556786"/>
+            <a:off x="6594926" y="4354961"/>
             <a:ext cx="4476783" cy="1781188"/>
           </a:xfrm>
           <a:prstGeom prst="rect">
@@ -11819,29 +11819,7 @@
                 <a:latin typeface="微软雅黑" panose="020B0503020204020204" pitchFamily="34" charset="-122"/>
                 <a:ea typeface="微软雅黑" panose="020B0503020204020204" pitchFamily="34" charset="-122"/>
               </a:rPr>
-              <a:t>例如多个流的聚合控制</a:t>
-            </a:r>
-            <a:r>
-              <a:rPr lang="en-US" altLang="zh-CN" b="0" i="0" dirty="0">
-                <a:solidFill>
-                  <a:srgbClr val="000000"/>
-                </a:solidFill>
-                <a:effectLst/>
-                <a:latin typeface="微软雅黑" panose="020B0503020204020204" pitchFamily="34" charset="-122"/>
-                <a:ea typeface="微软雅黑" panose="020B0503020204020204" pitchFamily="34" charset="-122"/>
-              </a:rPr>
-              <a:t>[4]</a:t>
-            </a:r>
-            <a:r>
-              <a:rPr lang="zh-CN" altLang="en-US" b="0" i="0" dirty="0">
-                <a:solidFill>
-                  <a:srgbClr val="000000"/>
-                </a:solidFill>
-                <a:effectLst/>
-                <a:latin typeface="微软雅黑" panose="020B0503020204020204" pitchFamily="34" charset="-122"/>
-                <a:ea typeface="微软雅黑" panose="020B0503020204020204" pitchFamily="34" charset="-122"/>
-              </a:rPr>
-              <a:t>，以及需要在用户空间编程环境中运行的复杂计算</a:t>
+              <a:t>例如多个流的聚合控制，以及需要在用户空间编程环境中运行的复杂计算</a:t>
             </a:r>
             <a:r>
               <a:rPr lang="en-US" altLang="zh-CN" b="0" i="0" dirty="0">
@@ -11920,7 +11898,7 @@
         <p:spPr>
           <a:xfrm>
             <a:off x="1077902" y="2682644"/>
-            <a:ext cx="7575592" cy="1200329"/>
+            <a:ext cx="9404392" cy="1200329"/>
           </a:xfrm>
           <a:prstGeom prst="rect">
             <a:avLst/>
